--- a/Reliable File Tranfer.pptx
+++ b/Reliable File Tranfer.pptx
@@ -261,7 +261,7 @@
                   <c:v>171503.6</c:v>
                 </c:pt>
                 <c:pt idx="1">
-                  <c:v>0</c:v>
+                  <c:v>135121.60000000001</c:v>
                 </c:pt>
                 <c:pt idx="2">
                   <c:v>112466.5</c:v>
@@ -1688,6 +1688,515 @@
 </c:chartSpace>
 </file>
 
+<file path=ppt/charts/chart4.xml><?xml version="1.0" encoding="utf-8"?>
+<c:chartSpace xmlns:c="http://schemas.openxmlformats.org/drawingml/2006/chart" xmlns:a="http://schemas.openxmlformats.org/drawingml/2006/main" xmlns:r="http://schemas.openxmlformats.org/officeDocument/2006/relationships" xmlns:c16r2="http://schemas.microsoft.com/office/drawing/2015/06/chart">
+  <c:date1904 val="0"/>
+  <c:lang val="it-IT"/>
+  <c:roundedCorners val="0"/>
+  <mc:AlternateContent xmlns:mc="http://schemas.openxmlformats.org/markup-compatibility/2006">
+    <mc:Choice xmlns:c14="http://schemas.microsoft.com/office/drawing/2007/8/2/chart" Requires="c14">
+      <c14:style val="102"/>
+    </mc:Choice>
+    <mc:Fallback>
+      <c:style val="2"/>
+    </mc:Fallback>
+  </mc:AlternateContent>
+  <c:chart>
+    <c:title>
+      <c:tx>
+        <c:rich>
+          <a:bodyPr rot="0" spcFirstLastPara="1" vertOverflow="ellipsis" vert="horz" wrap="square" anchor="ctr" anchorCtr="1"/>
+          <a:lstStyle/>
+          <a:p>
+            <a:pPr>
+              <a:defRPr sz="1862" b="0" i="0" u="none" strike="noStrike" kern="1200" cap="none" spc="20" baseline="0">
+                <a:solidFill>
+                  <a:schemeClr val="dk1">
+                    <a:lumMod val="50000"/>
+                    <a:lumOff val="50000"/>
+                  </a:schemeClr>
+                </a:solidFill>
+                <a:latin typeface="+mn-lt"/>
+                <a:ea typeface="+mn-ea"/>
+                <a:cs typeface="+mn-cs"/>
+              </a:defRPr>
+            </a:pPr>
+            <a:r>
+              <a:rPr lang="it-IT" dirty="0"/>
+              <a:t>Variazione perdita</a:t>
+            </a:r>
+            <a:r>
+              <a:rPr lang="it-IT" baseline="0" dirty="0"/>
+              <a:t> pacchetto</a:t>
+            </a:r>
+            <a:endParaRPr lang="it-IT" dirty="0"/>
+          </a:p>
+        </c:rich>
+      </c:tx>
+      <c:overlay val="0"/>
+      <c:spPr>
+        <a:noFill/>
+        <a:ln>
+          <a:noFill/>
+        </a:ln>
+        <a:effectLst/>
+      </c:spPr>
+      <c:txPr>
+        <a:bodyPr rot="0" spcFirstLastPara="1" vertOverflow="ellipsis" vert="horz" wrap="square" anchor="ctr" anchorCtr="1"/>
+        <a:lstStyle/>
+        <a:p>
+          <a:pPr>
+            <a:defRPr sz="1862" b="0" i="0" u="none" strike="noStrike" kern="1200" cap="none" spc="20" baseline="0">
+              <a:solidFill>
+                <a:schemeClr val="dk1">
+                  <a:lumMod val="50000"/>
+                  <a:lumOff val="50000"/>
+                </a:schemeClr>
+              </a:solidFill>
+              <a:latin typeface="+mn-lt"/>
+              <a:ea typeface="+mn-ea"/>
+              <a:cs typeface="+mn-cs"/>
+            </a:defRPr>
+          </a:pPr>
+          <a:endParaRPr lang="it-IT"/>
+        </a:p>
+      </c:txPr>
+    </c:title>
+    <c:autoTitleDeleted val="0"/>
+    <c:plotArea>
+      <c:layout/>
+      <c:lineChart>
+        <c:grouping val="standard"/>
+        <c:varyColors val="0"/>
+        <c:ser>
+          <c:idx val="0"/>
+          <c:order val="0"/>
+          <c:tx>
+            <c:strRef>
+              <c:f>Foglio1!$B$1</c:f>
+              <c:strCache>
+                <c:ptCount val="1"/>
+                <c:pt idx="0">
+                  <c:v>list</c:v>
+                </c:pt>
+              </c:strCache>
+            </c:strRef>
+          </c:tx>
+          <c:spPr>
+            <a:ln w="22225" cap="rnd" cmpd="sng" algn="ctr">
+              <a:solidFill>
+                <a:schemeClr val="accent1"/>
+              </a:solidFill>
+              <a:round/>
+            </a:ln>
+            <a:effectLst/>
+          </c:spPr>
+          <c:marker>
+            <c:symbol val="none"/>
+          </c:marker>
+          <c:cat>
+            <c:strRef>
+              <c:f>Foglio1!$A$2:$A$5</c:f>
+              <c:strCache>
+                <c:ptCount val="4"/>
+                <c:pt idx="0">
+                  <c:v>P = 0</c:v>
+                </c:pt>
+                <c:pt idx="1">
+                  <c:v>P = 0.125</c:v>
+                </c:pt>
+                <c:pt idx="2">
+                  <c:v>P = 0.25</c:v>
+                </c:pt>
+                <c:pt idx="3">
+                  <c:v>P = 0.5</c:v>
+                </c:pt>
+              </c:strCache>
+            </c:strRef>
+          </c:cat>
+          <c:val>
+            <c:numRef>
+              <c:f>Foglio1!$B$2:$B$5</c:f>
+              <c:numCache>
+                <c:formatCode>General</c:formatCode>
+                <c:ptCount val="4"/>
+                <c:pt idx="0">
+                  <c:v>15152.99</c:v>
+                </c:pt>
+                <c:pt idx="1">
+                  <c:v>55554.879999999997</c:v>
+                </c:pt>
+                <c:pt idx="2">
+                  <c:v>207371.88</c:v>
+                </c:pt>
+                <c:pt idx="3">
+                  <c:v>437302.2</c:v>
+                </c:pt>
+              </c:numCache>
+            </c:numRef>
+          </c:val>
+          <c:smooth val="0"/>
+          <c:extLst>
+            <c:ext xmlns:c16="http://schemas.microsoft.com/office/drawing/2014/chart" uri="{C3380CC4-5D6E-409C-BE32-E72D297353CC}">
+              <c16:uniqueId val="{00000000-FE59-4B36-AD64-0E1C0269EEB7}"/>
+            </c:ext>
+          </c:extLst>
+        </c:ser>
+        <c:ser>
+          <c:idx val="1"/>
+          <c:order val="1"/>
+          <c:tx>
+            <c:strRef>
+              <c:f>Foglio1!$C$1</c:f>
+              <c:strCache>
+                <c:ptCount val="1"/>
+                <c:pt idx="0">
+                  <c:v>get</c:v>
+                </c:pt>
+              </c:strCache>
+            </c:strRef>
+          </c:tx>
+          <c:spPr>
+            <a:ln w="22225" cap="rnd" cmpd="sng" algn="ctr">
+              <a:solidFill>
+                <a:schemeClr val="accent2"/>
+              </a:solidFill>
+              <a:round/>
+            </a:ln>
+            <a:effectLst/>
+          </c:spPr>
+          <c:marker>
+            <c:symbol val="none"/>
+          </c:marker>
+          <c:cat>
+            <c:strRef>
+              <c:f>Foglio1!$A$2:$A$5</c:f>
+              <c:strCache>
+                <c:ptCount val="4"/>
+                <c:pt idx="0">
+                  <c:v>P = 0</c:v>
+                </c:pt>
+                <c:pt idx="1">
+                  <c:v>P = 0.125</c:v>
+                </c:pt>
+                <c:pt idx="2">
+                  <c:v>P = 0.25</c:v>
+                </c:pt>
+                <c:pt idx="3">
+                  <c:v>P = 0.5</c:v>
+                </c:pt>
+              </c:strCache>
+            </c:strRef>
+          </c:cat>
+          <c:val>
+            <c:numRef>
+              <c:f>Foglio1!$C$2:$C$5</c:f>
+              <c:numCache>
+                <c:formatCode>General</c:formatCode>
+                <c:ptCount val="4"/>
+                <c:pt idx="0">
+                  <c:v>110879.3</c:v>
+                </c:pt>
+                <c:pt idx="1">
+                  <c:v>579793.9</c:v>
+                </c:pt>
+                <c:pt idx="2">
+                  <c:v>977265</c:v>
+                </c:pt>
+                <c:pt idx="3">
+                  <c:v>2159163</c:v>
+                </c:pt>
+              </c:numCache>
+            </c:numRef>
+          </c:val>
+          <c:smooth val="0"/>
+          <c:extLst>
+            <c:ext xmlns:c16="http://schemas.microsoft.com/office/drawing/2014/chart" uri="{C3380CC4-5D6E-409C-BE32-E72D297353CC}">
+              <c16:uniqueId val="{00000001-FE59-4B36-AD64-0E1C0269EEB7}"/>
+            </c:ext>
+          </c:extLst>
+        </c:ser>
+        <c:ser>
+          <c:idx val="2"/>
+          <c:order val="2"/>
+          <c:tx>
+            <c:strRef>
+              <c:f>Foglio1!$D$1</c:f>
+              <c:strCache>
+                <c:ptCount val="1"/>
+                <c:pt idx="0">
+                  <c:v>put</c:v>
+                </c:pt>
+              </c:strCache>
+            </c:strRef>
+          </c:tx>
+          <c:spPr>
+            <a:ln w="22225" cap="rnd" cmpd="sng" algn="ctr">
+              <a:solidFill>
+                <a:schemeClr val="accent3"/>
+              </a:solidFill>
+              <a:round/>
+            </a:ln>
+            <a:effectLst/>
+          </c:spPr>
+          <c:marker>
+            <c:symbol val="none"/>
+          </c:marker>
+          <c:cat>
+            <c:strRef>
+              <c:f>Foglio1!$A$2:$A$5</c:f>
+              <c:strCache>
+                <c:ptCount val="4"/>
+                <c:pt idx="0">
+                  <c:v>P = 0</c:v>
+                </c:pt>
+                <c:pt idx="1">
+                  <c:v>P = 0.125</c:v>
+                </c:pt>
+                <c:pt idx="2">
+                  <c:v>P = 0.25</c:v>
+                </c:pt>
+                <c:pt idx="3">
+                  <c:v>P = 0.5</c:v>
+                </c:pt>
+              </c:strCache>
+            </c:strRef>
+          </c:cat>
+          <c:val>
+            <c:numRef>
+              <c:f>Foglio1!$D$2:$D$5</c:f>
+              <c:numCache>
+                <c:formatCode>General</c:formatCode>
+                <c:ptCount val="4"/>
+                <c:pt idx="0">
+                  <c:v>160262.39999999999</c:v>
+                </c:pt>
+                <c:pt idx="1">
+                  <c:v>496387.4</c:v>
+                </c:pt>
+                <c:pt idx="2">
+                  <c:v>828637.9</c:v>
+                </c:pt>
+                <c:pt idx="3">
+                  <c:v>2318396</c:v>
+                </c:pt>
+              </c:numCache>
+            </c:numRef>
+          </c:val>
+          <c:smooth val="0"/>
+          <c:extLst>
+            <c:ext xmlns:c16="http://schemas.microsoft.com/office/drawing/2014/chart" uri="{C3380CC4-5D6E-409C-BE32-E72D297353CC}">
+              <c16:uniqueId val="{00000002-FE59-4B36-AD64-0E1C0269EEB7}"/>
+            </c:ext>
+          </c:extLst>
+        </c:ser>
+        <c:dLbls>
+          <c:showLegendKey val="0"/>
+          <c:showVal val="0"/>
+          <c:showCatName val="0"/>
+          <c:showSerName val="0"/>
+          <c:showPercent val="0"/>
+          <c:showBubbleSize val="0"/>
+        </c:dLbls>
+        <c:dropLines>
+          <c:spPr>
+            <a:ln w="9525" cap="flat" cmpd="sng" algn="ctr">
+              <a:solidFill>
+                <a:schemeClr val="dk1">
+                  <a:lumMod val="35000"/>
+                  <a:lumOff val="65000"/>
+                  <a:alpha val="33000"/>
+                </a:schemeClr>
+              </a:solidFill>
+              <a:round/>
+            </a:ln>
+            <a:effectLst/>
+          </c:spPr>
+        </c:dropLines>
+        <c:smooth val="0"/>
+        <c:axId val="681473616"/>
+        <c:axId val="681484176"/>
+      </c:lineChart>
+      <c:catAx>
+        <c:axId val="681473616"/>
+        <c:scaling>
+          <c:orientation val="minMax"/>
+        </c:scaling>
+        <c:delete val="0"/>
+        <c:axPos val="b"/>
+        <c:numFmt formatCode="General" sourceLinked="1"/>
+        <c:majorTickMark val="none"/>
+        <c:minorTickMark val="none"/>
+        <c:tickLblPos val="nextTo"/>
+        <c:spPr>
+          <a:noFill/>
+          <a:ln w="9525" cap="flat" cmpd="sng" algn="ctr">
+            <a:solidFill>
+              <a:schemeClr val="dk1">
+                <a:lumMod val="15000"/>
+                <a:lumOff val="85000"/>
+              </a:schemeClr>
+            </a:solidFill>
+            <a:round/>
+          </a:ln>
+          <a:effectLst/>
+        </c:spPr>
+        <c:txPr>
+          <a:bodyPr rot="-60000000" spcFirstLastPara="1" vertOverflow="ellipsis" vert="horz" wrap="square" anchor="ctr" anchorCtr="1"/>
+          <a:lstStyle/>
+          <a:p>
+            <a:pPr>
+              <a:defRPr sz="1197" b="0" i="0" u="none" strike="noStrike" kern="1200" spc="20" baseline="0">
+                <a:solidFill>
+                  <a:schemeClr val="dk1">
+                    <a:lumMod val="65000"/>
+                    <a:lumOff val="35000"/>
+                  </a:schemeClr>
+                </a:solidFill>
+                <a:latin typeface="+mn-lt"/>
+                <a:ea typeface="+mn-ea"/>
+                <a:cs typeface="+mn-cs"/>
+              </a:defRPr>
+            </a:pPr>
+            <a:endParaRPr lang="it-IT"/>
+          </a:p>
+        </c:txPr>
+        <c:crossAx val="681484176"/>
+        <c:crosses val="autoZero"/>
+        <c:auto val="1"/>
+        <c:lblAlgn val="ctr"/>
+        <c:lblOffset val="100"/>
+        <c:noMultiLvlLbl val="0"/>
+      </c:catAx>
+      <c:valAx>
+        <c:axId val="681484176"/>
+        <c:scaling>
+          <c:orientation val="minMax"/>
+        </c:scaling>
+        <c:delete val="0"/>
+        <c:axPos val="l"/>
+        <c:numFmt formatCode="General" sourceLinked="1"/>
+        <c:majorTickMark val="none"/>
+        <c:minorTickMark val="none"/>
+        <c:tickLblPos val="nextTo"/>
+        <c:spPr>
+          <a:noFill/>
+          <a:ln>
+            <a:noFill/>
+          </a:ln>
+          <a:effectLst/>
+        </c:spPr>
+        <c:txPr>
+          <a:bodyPr rot="-60000000" spcFirstLastPara="1" vertOverflow="ellipsis" vert="horz" wrap="square" anchor="ctr" anchorCtr="1"/>
+          <a:lstStyle/>
+          <a:p>
+            <a:pPr>
+              <a:defRPr sz="1197" b="0" i="0" u="none" strike="noStrike" kern="1200" spc="20" baseline="0">
+                <a:solidFill>
+                  <a:schemeClr val="dk1">
+                    <a:lumMod val="65000"/>
+                    <a:lumOff val="35000"/>
+                  </a:schemeClr>
+                </a:solidFill>
+                <a:latin typeface="+mn-lt"/>
+                <a:ea typeface="+mn-ea"/>
+                <a:cs typeface="+mn-cs"/>
+              </a:defRPr>
+            </a:pPr>
+            <a:endParaRPr lang="it-IT"/>
+          </a:p>
+        </c:txPr>
+        <c:crossAx val="681473616"/>
+        <c:crosses val="autoZero"/>
+        <c:crossBetween val="between"/>
+      </c:valAx>
+      <c:spPr>
+        <a:gradFill>
+          <a:gsLst>
+            <a:gs pos="100000">
+              <a:schemeClr val="lt1">
+                <a:lumMod val="95000"/>
+              </a:schemeClr>
+            </a:gs>
+            <a:gs pos="0">
+              <a:schemeClr val="lt1"/>
+            </a:gs>
+          </a:gsLst>
+          <a:lin ang="5400000" scaled="0"/>
+        </a:gradFill>
+        <a:ln>
+          <a:noFill/>
+        </a:ln>
+        <a:effectLst/>
+      </c:spPr>
+    </c:plotArea>
+    <c:legend>
+      <c:legendPos val="b"/>
+      <c:overlay val="0"/>
+      <c:spPr>
+        <a:noFill/>
+        <a:ln>
+          <a:noFill/>
+        </a:ln>
+        <a:effectLst/>
+      </c:spPr>
+      <c:txPr>
+        <a:bodyPr rot="0" spcFirstLastPara="1" vertOverflow="ellipsis" vert="horz" wrap="square" anchor="ctr" anchorCtr="1"/>
+        <a:lstStyle/>
+        <a:p>
+          <a:pPr>
+            <a:defRPr sz="1197" b="0" i="0" u="none" strike="noStrike" kern="1200" baseline="0">
+              <a:solidFill>
+                <a:schemeClr val="dk1">
+                  <a:lumMod val="65000"/>
+                  <a:lumOff val="35000"/>
+                </a:schemeClr>
+              </a:solidFill>
+              <a:latin typeface="+mn-lt"/>
+              <a:ea typeface="+mn-ea"/>
+              <a:cs typeface="+mn-cs"/>
+            </a:defRPr>
+          </a:pPr>
+          <a:endParaRPr lang="it-IT"/>
+        </a:p>
+      </c:txPr>
+    </c:legend>
+    <c:plotVisOnly val="1"/>
+    <c:dispBlanksAs val="gap"/>
+    <c:extLst>
+      <c:ext xmlns:c16r3="http://schemas.microsoft.com/office/drawing/2017/03/chart" uri="{56B9EC1D-385E-4148-901F-78D8002777C0}">
+        <c16r3:dataDisplayOptions16>
+          <c16r3:dispNaAsBlank val="1"/>
+        </c16r3:dataDisplayOptions16>
+      </c:ext>
+    </c:extLst>
+    <c:showDLblsOverMax val="0"/>
+  </c:chart>
+  <c:spPr>
+    <a:solidFill>
+      <a:schemeClr val="lt1"/>
+    </a:solidFill>
+    <a:ln>
+      <a:noFill/>
+    </a:ln>
+    <a:effectLst/>
+  </c:spPr>
+  <c:txPr>
+    <a:bodyPr/>
+    <a:lstStyle/>
+    <a:p>
+      <a:pPr>
+        <a:defRPr/>
+      </a:pPr>
+      <a:endParaRPr lang="it-IT"/>
+    </a:p>
+  </c:txPr>
+  <c:externalData r:id="rId3">
+    <c:autoUpdate val="0"/>
+  </c:externalData>
+</c:chartSpace>
+</file>
+
 <file path=ppt/charts/colors1.xml><?xml version="1.0" encoding="utf-8"?>
 <cs:colorStyle xmlns:cs="http://schemas.microsoft.com/office/drawing/2012/chartStyle" xmlns:a="http://schemas.openxmlformats.org/drawingml/2006/main" meth="cycle" id="10">
   <a:schemeClr val="accent1"/>
@@ -1769,6 +2278,46 @@
 <cs:colorStyle xmlns:cs="http://schemas.microsoft.com/office/drawing/2012/chartStyle" xmlns:a="http://schemas.openxmlformats.org/drawingml/2006/main" meth="cycle" id="12">
   <a:schemeClr val="accent2"/>
   <a:schemeClr val="accent4"/>
+  <a:schemeClr val="accent6"/>
+  <cs:variation/>
+  <cs:variation>
+    <a:lumMod val="60000"/>
+  </cs:variation>
+  <cs:variation>
+    <a:lumMod val="80000"/>
+    <a:lumOff val="20000"/>
+  </cs:variation>
+  <cs:variation>
+    <a:lumMod val="80000"/>
+  </cs:variation>
+  <cs:variation>
+    <a:lumMod val="60000"/>
+    <a:lumOff val="40000"/>
+  </cs:variation>
+  <cs:variation>
+    <a:lumMod val="50000"/>
+  </cs:variation>
+  <cs:variation>
+    <a:lumMod val="70000"/>
+    <a:lumOff val="30000"/>
+  </cs:variation>
+  <cs:variation>
+    <a:lumMod val="70000"/>
+  </cs:variation>
+  <cs:variation>
+    <a:lumMod val="50000"/>
+    <a:lumOff val="50000"/>
+  </cs:variation>
+</cs:colorStyle>
+</file>
+
+<file path=ppt/charts/colors4.xml><?xml version="1.0" encoding="utf-8"?>
+<cs:colorStyle xmlns:cs="http://schemas.microsoft.com/office/drawing/2012/chartStyle" xmlns:a="http://schemas.openxmlformats.org/drawingml/2006/main" meth="cycle" id="10">
+  <a:schemeClr val="accent1"/>
+  <a:schemeClr val="accent2"/>
+  <a:schemeClr val="accent3"/>
+  <a:schemeClr val="accent4"/>
+  <a:schemeClr val="accent5"/>
   <a:schemeClr val="accent6"/>
   <cs:variation/>
   <cs:variation>
@@ -3426,6 +3975,544 @@
       </a:schemeClr>
     </cs:fontRef>
     <cs:defRPr sz="1197" kern="1200"/>
+  </cs:valueAxis>
+  <cs:wall>
+    <cs:lnRef idx="0"/>
+    <cs:fillRef idx="0"/>
+    <cs:effectRef idx="0"/>
+    <cs:fontRef idx="minor">
+      <a:schemeClr val="dk1"/>
+    </cs:fontRef>
+  </cs:wall>
+</cs:chartStyle>
+</file>
+
+<file path=ppt/charts/style4.xml><?xml version="1.0" encoding="utf-8"?>
+<cs:chartStyle xmlns:cs="http://schemas.microsoft.com/office/drawing/2012/chartStyle" xmlns:a="http://schemas.openxmlformats.org/drawingml/2006/main" id="230">
+  <cs:axisTitle>
+    <cs:lnRef idx="0"/>
+    <cs:fillRef idx="0"/>
+    <cs:effectRef idx="0"/>
+    <cs:fontRef idx="minor">
+      <a:schemeClr val="dk1">
+        <a:lumMod val="65000"/>
+        <a:lumOff val="35000"/>
+      </a:schemeClr>
+    </cs:fontRef>
+    <cs:defRPr sz="1197" kern="1200" cap="all"/>
+  </cs:axisTitle>
+  <cs:categoryAxis>
+    <cs:lnRef idx="0"/>
+    <cs:fillRef idx="0"/>
+    <cs:effectRef idx="0"/>
+    <cs:fontRef idx="minor">
+      <a:schemeClr val="dk1">
+        <a:lumMod val="65000"/>
+        <a:lumOff val="35000"/>
+      </a:schemeClr>
+    </cs:fontRef>
+    <cs:spPr>
+      <a:ln w="9525" cap="flat" cmpd="sng" algn="ctr">
+        <a:solidFill>
+          <a:schemeClr val="dk1">
+            <a:lumMod val="15000"/>
+            <a:lumOff val="85000"/>
+          </a:schemeClr>
+        </a:solidFill>
+        <a:round/>
+      </a:ln>
+    </cs:spPr>
+    <cs:defRPr sz="1197" b="0" kern="1200" spc="20" baseline="0"/>
+  </cs:categoryAxis>
+  <cs:chartArea mods="allowNoLineOverride">
+    <cs:lnRef idx="0"/>
+    <cs:fillRef idx="0"/>
+    <cs:effectRef idx="0"/>
+    <cs:fontRef idx="minor">
+      <a:schemeClr val="dk1"/>
+    </cs:fontRef>
+    <cs:spPr>
+      <a:solidFill>
+        <a:schemeClr val="lt1"/>
+      </a:solidFill>
+      <a:ln w="9525" cap="flat" cmpd="sng" algn="ctr">
+        <a:solidFill>
+          <a:schemeClr val="dk1">
+            <a:lumMod val="15000"/>
+            <a:lumOff val="85000"/>
+          </a:schemeClr>
+        </a:solidFill>
+        <a:round/>
+      </a:ln>
+    </cs:spPr>
+    <cs:defRPr sz="1197" kern="1200"/>
+  </cs:chartArea>
+  <cs:dataLabel>
+    <cs:lnRef idx="0"/>
+    <cs:fillRef idx="0"/>
+    <cs:effectRef idx="0"/>
+    <cs:fontRef idx="minor">
+      <a:schemeClr val="dk1">
+        <a:lumMod val="65000"/>
+        <a:lumOff val="35000"/>
+      </a:schemeClr>
+    </cs:fontRef>
+    <cs:defRPr sz="1197" kern="1200"/>
+  </cs:dataLabel>
+  <cs:dataLabelCallout>
+    <cs:lnRef idx="0"/>
+    <cs:fillRef idx="0"/>
+    <cs:effectRef idx="0"/>
+    <cs:fontRef idx="minor">
+      <a:schemeClr val="dk1">
+        <a:lumMod val="65000"/>
+        <a:lumOff val="35000"/>
+      </a:schemeClr>
+    </cs:fontRef>
+    <cs:spPr>
+      <a:solidFill>
+        <a:schemeClr val="lt1"/>
+      </a:solidFill>
+      <a:ln>
+        <a:solidFill>
+          <a:schemeClr val="dk1">
+            <a:lumMod val="25000"/>
+            <a:lumOff val="75000"/>
+          </a:schemeClr>
+        </a:solidFill>
+      </a:ln>
+    </cs:spPr>
+    <cs:defRPr sz="1197" kern="1200"/>
+    <cs:bodyPr rot="0" spcFirstLastPara="1" vertOverflow="clip" horzOverflow="clip" vert="horz" wrap="square" lIns="36576" tIns="18288" rIns="36576" bIns="18288" anchor="ctr" anchorCtr="1">
+      <a:spAutoFit/>
+    </cs:bodyPr>
+  </cs:dataLabelCallout>
+  <cs:dataPoint>
+    <cs:lnRef idx="0">
+      <cs:styleClr val="auto"/>
+    </cs:lnRef>
+    <cs:fillRef idx="2">
+      <cs:styleClr val="auto"/>
+    </cs:fillRef>
+    <cs:effectRef idx="1"/>
+    <cs:fontRef idx="minor">
+      <a:schemeClr val="dk1"/>
+    </cs:fontRef>
+    <cs:spPr>
+      <a:ln w="9525" cap="flat" cmpd="sng" algn="ctr">
+        <a:solidFill>
+          <a:schemeClr val="phClr">
+            <a:shade val="95000"/>
+          </a:schemeClr>
+        </a:solidFill>
+        <a:round/>
+      </a:ln>
+    </cs:spPr>
+  </cs:dataPoint>
+  <cs:dataPoint3D>
+    <cs:lnRef idx="0">
+      <cs:styleClr val="auto"/>
+    </cs:lnRef>
+    <cs:fillRef idx="2">
+      <cs:styleClr val="auto"/>
+    </cs:fillRef>
+    <cs:effectRef idx="1"/>
+    <cs:fontRef idx="minor">
+      <a:schemeClr val="dk1"/>
+    </cs:fontRef>
+    <cs:spPr>
+      <a:ln w="9525" cap="flat" cmpd="sng" algn="ctr">
+        <a:solidFill>
+          <a:schemeClr val="phClr">
+            <a:shade val="95000"/>
+          </a:schemeClr>
+        </a:solidFill>
+        <a:round/>
+      </a:ln>
+    </cs:spPr>
+  </cs:dataPoint3D>
+  <cs:dataPointLine>
+    <cs:lnRef idx="0">
+      <cs:styleClr val="auto"/>
+    </cs:lnRef>
+    <cs:fillRef idx="0"/>
+    <cs:effectRef idx="0"/>
+    <cs:fontRef idx="minor">
+      <a:schemeClr val="dk1"/>
+    </cs:fontRef>
+    <cs:spPr>
+      <a:ln w="22225" cap="rnd" cmpd="sng" algn="ctr">
+        <a:solidFill>
+          <a:schemeClr val="phClr"/>
+        </a:solidFill>
+        <a:round/>
+      </a:ln>
+    </cs:spPr>
+  </cs:dataPointLine>
+  <cs:dataPointMarker>
+    <cs:lnRef idx="0">
+      <cs:styleClr val="auto"/>
+    </cs:lnRef>
+    <cs:fillRef idx="0">
+      <cs:styleClr val="auto"/>
+    </cs:fillRef>
+    <cs:effectRef idx="0"/>
+    <cs:fontRef idx="minor">
+      <a:schemeClr val="dk1"/>
+    </cs:fontRef>
+    <cs:spPr>
+      <a:solidFill>
+        <a:schemeClr val="phClr"/>
+      </a:solidFill>
+      <a:ln w="9525" cap="flat" cmpd="sng" algn="ctr">
+        <a:solidFill>
+          <a:schemeClr val="phClr"/>
+        </a:solidFill>
+        <a:round/>
+      </a:ln>
+    </cs:spPr>
+  </cs:dataPointMarker>
+  <cs:dataPointMarkerLayout symbol="circle" size="4"/>
+  <cs:dataPointWireframe>
+    <cs:lnRef idx="0">
+      <cs:styleClr val="auto"/>
+    </cs:lnRef>
+    <cs:fillRef idx="0"/>
+    <cs:effectRef idx="0"/>
+    <cs:fontRef idx="minor">
+      <a:schemeClr val="dk1"/>
+    </cs:fontRef>
+    <cs:spPr>
+      <a:ln w="9525" cap="rnd">
+        <a:solidFill>
+          <a:schemeClr val="phClr"/>
+        </a:solidFill>
+        <a:round/>
+      </a:ln>
+    </cs:spPr>
+  </cs:dataPointWireframe>
+  <cs:dataTable>
+    <cs:lnRef idx="0"/>
+    <cs:fillRef idx="0"/>
+    <cs:effectRef idx="0"/>
+    <cs:fontRef idx="minor">
+      <a:schemeClr val="dk1">
+        <a:lumMod val="65000"/>
+        <a:lumOff val="35000"/>
+      </a:schemeClr>
+    </cs:fontRef>
+    <cs:spPr>
+      <a:ln w="9525">
+        <a:solidFill>
+          <a:schemeClr val="dk1">
+            <a:lumMod val="15000"/>
+            <a:lumOff val="85000"/>
+          </a:schemeClr>
+        </a:solidFill>
+      </a:ln>
+    </cs:spPr>
+    <cs:defRPr sz="1197" kern="1200"/>
+  </cs:dataTable>
+  <cs:downBar>
+    <cs:lnRef idx="0"/>
+    <cs:fillRef idx="0"/>
+    <cs:effectRef idx="0"/>
+    <cs:fontRef idx="minor">
+      <a:schemeClr val="dk1"/>
+    </cs:fontRef>
+    <cs:spPr>
+      <a:solidFill>
+        <a:schemeClr val="dk1">
+          <a:lumMod val="75000"/>
+          <a:lumOff val="25000"/>
+        </a:schemeClr>
+      </a:solidFill>
+      <a:ln w="9525">
+        <a:solidFill>
+          <a:schemeClr val="dk1">
+            <a:lumMod val="65000"/>
+            <a:lumOff val="35000"/>
+          </a:schemeClr>
+        </a:solidFill>
+      </a:ln>
+    </cs:spPr>
+  </cs:downBar>
+  <cs:dropLine>
+    <cs:lnRef idx="0"/>
+    <cs:fillRef idx="0"/>
+    <cs:effectRef idx="0"/>
+    <cs:fontRef idx="minor">
+      <a:schemeClr val="dk1"/>
+    </cs:fontRef>
+    <cs:spPr>
+      <a:ln w="9525" cap="flat" cmpd="sng" algn="ctr">
+        <a:solidFill>
+          <a:schemeClr val="dk1">
+            <a:lumMod val="35000"/>
+            <a:lumOff val="65000"/>
+            <a:alpha val="33000"/>
+          </a:schemeClr>
+        </a:solidFill>
+        <a:round/>
+      </a:ln>
+    </cs:spPr>
+  </cs:dropLine>
+  <cs:errorBar>
+    <cs:lnRef idx="0"/>
+    <cs:fillRef idx="0"/>
+    <cs:effectRef idx="0"/>
+    <cs:fontRef idx="minor">
+      <a:schemeClr val="dk1"/>
+    </cs:fontRef>
+    <cs:spPr>
+      <a:ln w="9525">
+        <a:solidFill>
+          <a:schemeClr val="dk1">
+            <a:lumMod val="65000"/>
+            <a:lumOff val="35000"/>
+          </a:schemeClr>
+        </a:solidFill>
+      </a:ln>
+    </cs:spPr>
+  </cs:errorBar>
+  <cs:floor>
+    <cs:lnRef idx="0"/>
+    <cs:fillRef idx="0"/>
+    <cs:effectRef idx="0"/>
+    <cs:fontRef idx="minor">
+      <a:schemeClr val="dk1"/>
+    </cs:fontRef>
+  </cs:floor>
+  <cs:gridlineMajor>
+    <cs:lnRef idx="0"/>
+    <cs:fillRef idx="0"/>
+    <cs:effectRef idx="0"/>
+    <cs:fontRef idx="minor">
+      <a:schemeClr val="dk1"/>
+    </cs:fontRef>
+    <cs:spPr>
+      <a:ln>
+        <a:solidFill>
+          <a:schemeClr val="dk1">
+            <a:lumMod val="15000"/>
+            <a:lumOff val="85000"/>
+          </a:schemeClr>
+        </a:solidFill>
+      </a:ln>
+    </cs:spPr>
+  </cs:gridlineMajor>
+  <cs:gridlineMinor>
+    <cs:lnRef idx="0"/>
+    <cs:fillRef idx="0"/>
+    <cs:effectRef idx="0"/>
+    <cs:fontRef idx="minor">
+      <a:schemeClr val="dk1"/>
+    </cs:fontRef>
+    <cs:spPr>
+      <a:ln>
+        <a:solidFill>
+          <a:schemeClr val="dk1">
+            <a:lumMod val="5000"/>
+            <a:lumOff val="95000"/>
+          </a:schemeClr>
+        </a:solidFill>
+      </a:ln>
+    </cs:spPr>
+  </cs:gridlineMinor>
+  <cs:hiLoLine>
+    <cs:lnRef idx="0"/>
+    <cs:fillRef idx="0"/>
+    <cs:effectRef idx="0"/>
+    <cs:fontRef idx="minor">
+      <a:schemeClr val="dk1"/>
+    </cs:fontRef>
+    <cs:spPr>
+      <a:ln w="9525">
+        <a:solidFill>
+          <a:schemeClr val="dk1">
+            <a:lumMod val="35000"/>
+            <a:lumOff val="65000"/>
+          </a:schemeClr>
+        </a:solidFill>
+      </a:ln>
+    </cs:spPr>
+  </cs:hiLoLine>
+  <cs:leaderLine>
+    <cs:lnRef idx="0"/>
+    <cs:fillRef idx="0"/>
+    <cs:effectRef idx="0"/>
+    <cs:fontRef idx="minor">
+      <a:schemeClr val="dk1"/>
+    </cs:fontRef>
+    <cs:spPr>
+      <a:ln w="9525">
+        <a:solidFill>
+          <a:schemeClr val="dk1">
+            <a:lumMod val="35000"/>
+            <a:lumOff val="65000"/>
+          </a:schemeClr>
+        </a:solidFill>
+      </a:ln>
+    </cs:spPr>
+  </cs:leaderLine>
+  <cs:legend>
+    <cs:lnRef idx="0"/>
+    <cs:fillRef idx="0"/>
+    <cs:effectRef idx="0"/>
+    <cs:fontRef idx="minor">
+      <a:schemeClr val="dk1">
+        <a:lumMod val="65000"/>
+        <a:lumOff val="35000"/>
+      </a:schemeClr>
+    </cs:fontRef>
+    <cs:defRPr sz="1197" kern="1200"/>
+  </cs:legend>
+  <cs:plotArea>
+    <cs:lnRef idx="0"/>
+    <cs:fillRef idx="0"/>
+    <cs:effectRef idx="0"/>
+    <cs:fontRef idx="minor">
+      <a:schemeClr val="dk1"/>
+    </cs:fontRef>
+    <cs:spPr>
+      <a:gradFill>
+        <a:gsLst>
+          <a:gs pos="100000">
+            <a:schemeClr val="lt1">
+              <a:lumMod val="95000"/>
+            </a:schemeClr>
+          </a:gs>
+          <a:gs pos="0">
+            <a:schemeClr val="lt1"/>
+          </a:gs>
+        </a:gsLst>
+        <a:lin ang="5400000" scaled="0"/>
+      </a:gradFill>
+    </cs:spPr>
+  </cs:plotArea>
+  <cs:plotArea3D>
+    <cs:lnRef idx="0"/>
+    <cs:fillRef idx="0"/>
+    <cs:effectRef idx="0"/>
+    <cs:fontRef idx="minor">
+      <a:schemeClr val="dk1"/>
+    </cs:fontRef>
+  </cs:plotArea3D>
+  <cs:seriesAxis>
+    <cs:lnRef idx="0"/>
+    <cs:fillRef idx="0"/>
+    <cs:effectRef idx="0"/>
+    <cs:fontRef idx="minor">
+      <a:schemeClr val="dk1">
+        <a:lumMod val="65000"/>
+        <a:lumOff val="35000"/>
+      </a:schemeClr>
+    </cs:fontRef>
+    <cs:spPr>
+      <a:ln w="9525" cap="flat" cmpd="sng" algn="ctr">
+        <a:solidFill>
+          <a:schemeClr val="dk1">
+            <a:lumMod val="15000"/>
+            <a:lumOff val="85000"/>
+          </a:schemeClr>
+        </a:solidFill>
+        <a:round/>
+      </a:ln>
+    </cs:spPr>
+    <cs:defRPr sz="1197" kern="1200"/>
+  </cs:seriesAxis>
+  <cs:seriesLine>
+    <cs:lnRef idx="0"/>
+    <cs:fillRef idx="0"/>
+    <cs:effectRef idx="0"/>
+    <cs:fontRef idx="minor">
+      <a:schemeClr val="dk1"/>
+    </cs:fontRef>
+    <cs:spPr>
+      <a:ln w="9525">
+        <a:solidFill>
+          <a:schemeClr val="dk1">
+            <a:lumMod val="35000"/>
+            <a:lumOff val="65000"/>
+          </a:schemeClr>
+        </a:solidFill>
+        <a:prstDash val="dash"/>
+      </a:ln>
+    </cs:spPr>
+  </cs:seriesLine>
+  <cs:title>
+    <cs:lnRef idx="0"/>
+    <cs:fillRef idx="0"/>
+    <cs:effectRef idx="0"/>
+    <cs:fontRef idx="minor">
+      <a:schemeClr val="dk1">
+        <a:lumMod val="50000"/>
+        <a:lumOff val="50000"/>
+      </a:schemeClr>
+    </cs:fontRef>
+    <cs:defRPr sz="1862" kern="1200" cap="none" spc="20" baseline="0"/>
+  </cs:title>
+  <cs:trendline>
+    <cs:lnRef idx="0">
+      <cs:styleClr val="auto"/>
+    </cs:lnRef>
+    <cs:fillRef idx="0"/>
+    <cs:effectRef idx="0"/>
+    <cs:fontRef idx="minor">
+      <a:schemeClr val="dk1"/>
+    </cs:fontRef>
+    <cs:spPr>
+      <a:ln w="9525" cap="rnd">
+        <a:solidFill>
+          <a:schemeClr val="phClr"/>
+        </a:solidFill>
+      </a:ln>
+    </cs:spPr>
+  </cs:trendline>
+  <cs:trendlineLabel>
+    <cs:lnRef idx="0"/>
+    <cs:fillRef idx="0"/>
+    <cs:effectRef idx="0"/>
+    <cs:fontRef idx="minor">
+      <a:schemeClr val="dk1">
+        <a:lumMod val="65000"/>
+        <a:lumOff val="35000"/>
+      </a:schemeClr>
+    </cs:fontRef>
+    <cs:defRPr sz="1197" kern="1200"/>
+  </cs:trendlineLabel>
+  <cs:upBar>
+    <cs:lnRef idx="0"/>
+    <cs:fillRef idx="0"/>
+    <cs:effectRef idx="0"/>
+    <cs:fontRef idx="minor">
+      <a:schemeClr val="dk1"/>
+    </cs:fontRef>
+    <cs:spPr>
+      <a:solidFill>
+        <a:schemeClr val="lt1"/>
+      </a:solidFill>
+      <a:ln w="9525">
+        <a:solidFill>
+          <a:schemeClr val="dk1">
+            <a:lumMod val="65000"/>
+            <a:lumOff val="35000"/>
+          </a:schemeClr>
+        </a:solidFill>
+      </a:ln>
+    </cs:spPr>
+  </cs:upBar>
+  <cs:valueAxis>
+    <cs:lnRef idx="0"/>
+    <cs:fillRef idx="0"/>
+    <cs:effectRef idx="0"/>
+    <cs:fontRef idx="minor">
+      <a:schemeClr val="dk1">
+        <a:lumMod val="65000"/>
+        <a:lumOff val="35000"/>
+      </a:schemeClr>
+    </cs:fontRef>
+    <cs:defRPr sz="1197" kern="1200" spc="20" baseline="0"/>
   </cs:valueAxis>
   <cs:wall>
     <cs:lnRef idx="0"/>
@@ -21740,7 +22827,7 @@
           <a:p>
             <a:fld id="{6444479B-705B-4489-957E-7E8A228BDFA0}" type="datetime1">
               <a:rPr lang="en-US" smtClean="0"/>
-              <a:t>5/25/2025</a:t>
+              <a:t>5/26/2025</a:t>
             </a:fld>
             <a:endParaRPr lang="en-US"/>
           </a:p>
@@ -21940,7 +23027,7 @@
           <a:p>
             <a:fld id="{C07B66AD-7C08-490A-ADA4-B47E10FB2407}" type="datetime1">
               <a:rPr lang="en-US" smtClean="0"/>
-              <a:t>5/25/2025</a:t>
+              <a:t>5/26/2025</a:t>
             </a:fld>
             <a:endParaRPr lang="en-US"/>
           </a:p>
@@ -22199,7 +23286,7 @@
           <a:p>
             <a:fld id="{05B95027-4255-49E7-9841-CD21BCC99996}" type="datetime1">
               <a:rPr lang="en-US" smtClean="0"/>
-              <a:t>5/25/2025</a:t>
+              <a:t>5/26/2025</a:t>
             </a:fld>
             <a:endParaRPr lang="en-US"/>
           </a:p>
@@ -22440,7 +23527,7 @@
           <a:p>
             <a:fld id="{9F89F774-3FA6-43B8-9241-99959C8FD463}" type="datetime1">
               <a:rPr lang="en-US" smtClean="0"/>
-              <a:t>5/25/2025</a:t>
+              <a:t>5/26/2025</a:t>
             </a:fld>
             <a:endParaRPr lang="en-US"/>
           </a:p>
@@ -22767,7 +23854,7 @@
           <a:p>
             <a:fld id="{F9504452-5DCC-4FE2-A5C9-8A5EF6714D65}" type="datetime1">
               <a:rPr lang="en-US" smtClean="0"/>
-              <a:t>5/25/2025</a:t>
+              <a:t>5/26/2025</a:t>
             </a:fld>
             <a:endParaRPr lang="en-US"/>
           </a:p>
@@ -23077,7 +24164,7 @@
           <a:p>
             <a:fld id="{E579ABC2-0180-4F3A-A895-A85BC724D472}" type="datetime1">
               <a:rPr lang="en-US" smtClean="0"/>
-              <a:t>5/25/2025</a:t>
+              <a:t>5/26/2025</a:t>
             </a:fld>
             <a:endParaRPr lang="en-US"/>
           </a:p>
@@ -23495,7 +24582,7 @@
           <a:p>
             <a:fld id="{6AEEA9BA-4E8F-439E-BEA4-91FBA01E3F5F}" type="datetime1">
               <a:rPr lang="en-US" smtClean="0"/>
-              <a:t>5/25/2025</a:t>
+              <a:t>5/26/2025</a:t>
             </a:fld>
             <a:endParaRPr lang="en-US"/>
           </a:p>
@@ -23637,7 +24724,7 @@
           <a:p>
             <a:fld id="{BE15BF18-0007-481C-AA29-413124BC3EE7}" type="datetime1">
               <a:rPr lang="en-US" smtClean="0"/>
-              <a:t>5/25/2025</a:t>
+              <a:t>5/26/2025</a:t>
             </a:fld>
             <a:endParaRPr lang="en-US"/>
           </a:p>
@@ -23799,7 +24886,7 @@
           <a:p>
             <a:fld id="{09BE9870-3748-43AD-B547-02A075CB4A1D}" type="datetime1">
               <a:rPr lang="en-US" smtClean="0"/>
-              <a:t>5/25/2025</a:t>
+              <a:t>5/26/2025</a:t>
             </a:fld>
             <a:endParaRPr lang="en-US"/>
           </a:p>
@@ -24116,7 +25203,7 @@
           <a:p>
             <a:fld id="{558E7897-33C5-4F1A-9307-D068E37F3DC7}" type="datetime1">
               <a:rPr lang="en-US" smtClean="0"/>
-              <a:t>5/25/2025</a:t>
+              <a:t>5/26/2025</a:t>
             </a:fld>
             <a:endParaRPr lang="en-US"/>
           </a:p>
@@ -24411,7 +25498,7 @@
           <a:p>
             <a:fld id="{82E171BA-CC09-47C8-A6DF-F5C5CB59CEEC}" type="datetime1">
               <a:rPr lang="en-US" smtClean="0"/>
-              <a:t>5/25/2025</a:t>
+              <a:t>5/26/2025</a:t>
             </a:fld>
             <a:endParaRPr lang="en-US"/>
           </a:p>
@@ -24658,7 +25745,7 @@
           <a:p>
             <a:fld id="{7DA38F49-B3E2-4BF0-BEC7-C30D34ABBB8D}" type="datetime1">
               <a:rPr lang="en-US" smtClean="0"/>
-              <a:t>5/25/2025</a:t>
+              <a:t>5/26/2025</a:t>
             </a:fld>
             <a:endParaRPr lang="en-US"/>
           </a:p>
@@ -37379,14 +38466,14 @@
           <p:nvPr>
             <p:extLst>
               <p:ext uri="{D42A27DB-BD31-4B8C-83A1-F6EECF244321}">
-                <p14:modId xmlns:p14="http://schemas.microsoft.com/office/powerpoint/2010/main" val="3202628226"/>
+                <p14:modId xmlns:p14="http://schemas.microsoft.com/office/powerpoint/2010/main" val="4035989523"/>
               </p:ext>
             </p:extLst>
           </p:nvPr>
         </p:nvGraphicFramePr>
         <p:xfrm>
-          <a:off x="6482239" y="210848"/>
-          <a:ext cx="5256484" cy="3073126"/>
+          <a:off x="6652803" y="1144708"/>
+          <a:ext cx="5085920" cy="2649049"/>
         </p:xfrm>
         <a:graphic>
           <a:graphicData uri="http://schemas.openxmlformats.org/drawingml/2006/chart">
@@ -37407,14 +38494,14 @@
           <p:nvPr>
             <p:extLst>
               <p:ext uri="{D42A27DB-BD31-4B8C-83A1-F6EECF244321}">
-                <p14:modId xmlns:p14="http://schemas.microsoft.com/office/powerpoint/2010/main" val="349170215"/>
+                <p14:modId xmlns:p14="http://schemas.microsoft.com/office/powerpoint/2010/main" val="1505652982"/>
               </p:ext>
             </p:extLst>
           </p:nvPr>
         </p:nvGraphicFramePr>
         <p:xfrm>
-          <a:off x="453278" y="3429000"/>
-          <a:ext cx="5256484" cy="3218152"/>
+          <a:off x="453277" y="3998100"/>
+          <a:ext cx="5085920" cy="2649052"/>
         </p:xfrm>
         <a:graphic>
           <a:graphicData uri="http://schemas.openxmlformats.org/drawingml/2006/chart">
@@ -37436,7 +38523,7 @@
         </p:nvSpPr>
         <p:spPr>
           <a:xfrm>
-            <a:off x="839516" y="1315710"/>
+            <a:off x="3467758" y="232479"/>
             <a:ext cx="5256484" cy="707886"/>
           </a:xfrm>
           <a:prstGeom prst="rect">
@@ -37450,6 +38537,7 @@
           </a:bodyPr>
           <a:lstStyle/>
           <a:p>
+            <a:pPr algn="ctr"/>
             <a:r>
               <a:rPr lang="it-IT" sz="4000" b="1" dirty="0">
                 <a:latin typeface="+mj-lt"/>
@@ -37474,18 +38562,46 @@
           <p:nvPr>
             <p:extLst>
               <p:ext uri="{D42A27DB-BD31-4B8C-83A1-F6EECF244321}">
-                <p14:modId xmlns:p14="http://schemas.microsoft.com/office/powerpoint/2010/main" val="884064476"/>
+                <p14:modId xmlns:p14="http://schemas.microsoft.com/office/powerpoint/2010/main" val="3407680320"/>
               </p:ext>
             </p:extLst>
           </p:nvPr>
         </p:nvGraphicFramePr>
         <p:xfrm>
-          <a:off x="6482239" y="3429000"/>
-          <a:ext cx="5256484" cy="3218152"/>
+          <a:off x="6652803" y="3998100"/>
+          <a:ext cx="5085920" cy="2649052"/>
         </p:xfrm>
         <a:graphic>
           <a:graphicData uri="http://schemas.openxmlformats.org/drawingml/2006/chart">
             <c:chart xmlns:c="http://schemas.openxmlformats.org/drawingml/2006/chart" xmlns:r="http://schemas.openxmlformats.org/officeDocument/2006/relationships" r:id="rId4"/>
+          </a:graphicData>
+        </a:graphic>
+      </p:graphicFrame>
+      <p:graphicFrame>
+        <p:nvGraphicFramePr>
+          <p:cNvPr id="3" name="Grafico 2">
+            <a:extLst>
+              <a:ext uri="{FF2B5EF4-FFF2-40B4-BE49-F238E27FC236}">
+                <a16:creationId xmlns:a16="http://schemas.microsoft.com/office/drawing/2014/main" id="{B82ADD67-E702-6906-0E60-BD3CBDEBD1FC}"/>
+              </a:ext>
+            </a:extLst>
+          </p:cNvPr>
+          <p:cNvGraphicFramePr/>
+          <p:nvPr>
+            <p:extLst>
+              <p:ext uri="{D42A27DB-BD31-4B8C-83A1-F6EECF244321}">
+                <p14:modId xmlns:p14="http://schemas.microsoft.com/office/powerpoint/2010/main" val="1393695841"/>
+              </p:ext>
+            </p:extLst>
+          </p:nvPr>
+        </p:nvGraphicFramePr>
+        <p:xfrm>
+          <a:off x="453277" y="1144710"/>
+          <a:ext cx="5085920" cy="2649048"/>
+        </p:xfrm>
+        <a:graphic>
+          <a:graphicData uri="http://schemas.openxmlformats.org/drawingml/2006/chart">
+            <c:chart xmlns:c="http://schemas.openxmlformats.org/drawingml/2006/chart" xmlns:r="http://schemas.openxmlformats.org/officeDocument/2006/relationships" r:id="rId5"/>
           </a:graphicData>
         </a:graphic>
       </p:graphicFrame>
@@ -37951,14 +39067,15 @@
           </a:p>
           <a:p>
             <a:r>
-              <a:rPr lang="it-IT" dirty="0"/>
-              <a:t>Autenticazione;</a:t>
-            </a:r>
+              <a:rPr lang="it-IT"/>
+              <a:t>Autenticazione</a:t>
+            </a:r>
+            <a:endParaRPr lang="it-IT" dirty="0"/>
           </a:p>
           <a:p>
             <a:r>
               <a:rPr lang="it-IT" dirty="0"/>
-              <a:t>Cifratura;</a:t>
+              <a:t>Cifratura</a:t>
             </a:r>
           </a:p>
           <a:p>
@@ -37968,7 +39085,7 @@
             </a:r>
             <a:r>
               <a:rPr lang="it-IT" dirty="0"/>
-              <a:t> avanzati;</a:t>
+              <a:t> avanzati</a:t>
             </a:r>
           </a:p>
           <a:p>
